--- a/web/e23/uge_4a/Quiz-Uge4-Mandag.pptx
+++ b/web/e23/uge_4a/Quiz-Uge4-Mandag.pptx
@@ -23162,8 +23162,8 @@
         </p:nvSpPr>
         <p:spPr bwMode="auto">
           <a:xfrm>
-            <a:off x="8565189" y="5759217"/>
-            <a:ext cx="427403" cy="285461"/>
+            <a:off x="8532441" y="5767453"/>
+            <a:ext cx="460152" cy="285461"/>
           </a:xfrm>
           <a:prstGeom prst="rect">
             <a:avLst/>
@@ -23362,7 +23362,7 @@
                 <a:ea typeface="ＭＳ Ｐゴシック" pitchFamily="34" charset="-128"/>
                 <a:cs typeface="+mn-cs"/>
               </a:rPr>
-              <a:t>Ok</a:t>
+              <a:t>OK</a:t>
             </a:r>
             <a:endParaRPr lang="da-DK" altLang="da-DK" sz="1400" kern="1200" dirty="0">
               <a:solidFill>
